--- a/W3 Project - Building mySQL Data-base_David Tejedor.pptx
+++ b/W3 Project - Building mySQL Data-base_David Tejedor.pptx
@@ -288,7 +288,7 @@
             <a:fld id="{87DE6118-2437-4B30-8E3C-4D2BE6020583}" type="datetimeFigureOut">
               <a:rPr lang="en-US" dirty="0"/>
               <a:pPr/>
-              <a:t>11/7/2022</a:t>
+              <a:t>11/8/2022</a:t>
             </a:fld>
             <a:endParaRPr lang="en-US" dirty="0"/>
           </a:p>
@@ -614,7 +614,7 @@
           <a:p>
             <a:fld id="{87DE6118-2437-4B30-8E3C-4D2BE6020583}" type="datetimeFigureOut">
               <a:rPr lang="en-US" dirty="0"/>
-              <a:t>11/7/2022</a:t>
+              <a:t>11/8/2022</a:t>
             </a:fld>
             <a:endParaRPr lang="en-US" dirty="0"/>
           </a:p>
@@ -789,7 +789,7 @@
           <a:p>
             <a:fld id="{87DE6118-2437-4B30-8E3C-4D2BE6020583}" type="datetimeFigureOut">
               <a:rPr lang="en-US" dirty="0"/>
-              <a:t>11/7/2022</a:t>
+              <a:t>11/8/2022</a:t>
             </a:fld>
             <a:endParaRPr lang="en-US" dirty="0"/>
           </a:p>
@@ -954,7 +954,7 @@
           <a:p>
             <a:fld id="{87DE6118-2437-4B30-8E3C-4D2BE6020583}" type="datetimeFigureOut">
               <a:rPr lang="en-US" dirty="0"/>
-              <a:t>11/7/2022</a:t>
+              <a:t>11/8/2022</a:t>
             </a:fld>
             <a:endParaRPr lang="en-US" dirty="0"/>
           </a:p>
@@ -1227,7 +1227,7 @@
             <a:fld id="{87DE6118-2437-4B30-8E3C-4D2BE6020583}" type="datetimeFigureOut">
               <a:rPr lang="en-US" dirty="0"/>
               <a:pPr/>
-              <a:t>11/7/2022</a:t>
+              <a:t>11/8/2022</a:t>
             </a:fld>
             <a:endParaRPr lang="en-US" dirty="0"/>
           </a:p>
@@ -1617,7 +1617,7 @@
           <a:p>
             <a:fld id="{87DE6118-2437-4B30-8E3C-4D2BE6020583}" type="datetimeFigureOut">
               <a:rPr lang="en-US" dirty="0"/>
-              <a:t>11/7/2022</a:t>
+              <a:t>11/8/2022</a:t>
             </a:fld>
             <a:endParaRPr lang="en-US" dirty="0"/>
           </a:p>
@@ -2089,7 +2089,7 @@
           <a:p>
             <a:fld id="{87DE6118-2437-4B30-8E3C-4D2BE6020583}" type="datetimeFigureOut">
               <a:rPr lang="en-US" dirty="0"/>
-              <a:t>11/7/2022</a:t>
+              <a:t>11/8/2022</a:t>
             </a:fld>
             <a:endParaRPr lang="en-US" dirty="0"/>
           </a:p>
@@ -2202,7 +2202,7 @@
           <a:p>
             <a:fld id="{87DE6118-2437-4B30-8E3C-4D2BE6020583}" type="datetimeFigureOut">
               <a:rPr lang="en-US" dirty="0"/>
-              <a:t>11/7/2022</a:t>
+              <a:t>11/8/2022</a:t>
             </a:fld>
             <a:endParaRPr lang="en-US" dirty="0"/>
           </a:p>
@@ -2292,7 +2292,7 @@
           <a:p>
             <a:fld id="{87DE6118-2437-4B30-8E3C-4D2BE6020583}" type="datetimeFigureOut">
               <a:rPr lang="en-US" dirty="0"/>
-              <a:t>11/7/2022</a:t>
+              <a:t>11/8/2022</a:t>
             </a:fld>
             <a:endParaRPr lang="en-US" dirty="0"/>
           </a:p>
@@ -2634,7 +2634,7 @@
             <a:fld id="{87DE6118-2437-4B30-8E3C-4D2BE6020583}" type="datetimeFigureOut">
               <a:rPr lang="en-US" dirty="0"/>
               <a:pPr/>
-              <a:t>11/7/2022</a:t>
+              <a:t>11/8/2022</a:t>
             </a:fld>
             <a:endParaRPr lang="en-US" dirty="0"/>
           </a:p>
@@ -3019,7 +3019,7 @@
             <a:fld id="{87DE6118-2437-4B30-8E3C-4D2BE6020583}" type="datetimeFigureOut">
               <a:rPr lang="en-US" dirty="0"/>
               <a:pPr/>
-              <a:t>11/7/2022</a:t>
+              <a:t>11/8/2022</a:t>
             </a:fld>
             <a:endParaRPr lang="en-US" dirty="0"/>
           </a:p>
@@ -3294,7 +3294,7 @@
             <a:fld id="{87DE6118-2437-4B30-8E3C-4D2BE6020583}" type="datetimeFigureOut">
               <a:rPr lang="en-US" dirty="0"/>
               <a:pPr/>
-              <a:t>11/7/2022</a:t>
+              <a:t>11/8/2022</a:t>
             </a:fld>
             <a:endParaRPr lang="en-US" dirty="0"/>
           </a:p>
@@ -4998,11 +4998,7 @@
           <a:p>
             <a:r>
               <a:rPr lang="es-ES" b="1" dirty="0" smtClean="0"/>
-              <a:t>EER </a:t>
-            </a:r>
-            <a:r>
-              <a:rPr lang="es-ES" b="1" dirty="0" smtClean="0"/>
-              <a:t>DIAGRAM (inicial)</a:t>
+              <a:t>EER DIAGRAM (inicial)</a:t>
             </a:r>
             <a:endParaRPr lang="es-ES" b="1" dirty="0"/>
           </a:p>
@@ -5102,16 +5098,14 @@
         </p:nvSpPr>
         <p:spPr/>
         <p:txBody>
-          <a:bodyPr/>
+          <a:bodyPr>
+            <a:normAutofit/>
+          </a:bodyPr>
           <a:lstStyle/>
           <a:p>
             <a:r>
               <a:rPr lang="es-ES" dirty="0" smtClean="0"/>
-              <a:t>¿Cuáles son las 5 películas más alquiladas</a:t>
-            </a:r>
-            <a:r>
-              <a:rPr lang="es-ES" dirty="0" smtClean="0"/>
-              <a:t>? </a:t>
+              <a:t>¿Cuántas películas se están alquilando?</a:t>
             </a:r>
           </a:p>
           <a:p>
@@ -5126,86 +5120,101 @@
           <a:p>
             <a:r>
               <a:rPr lang="es-ES" dirty="0" smtClean="0"/>
-              <a:t>Lista de categorías ordenadas por su ‘</a:t>
-            </a:r>
-            <a:r>
-              <a:rPr lang="es-ES" dirty="0" err="1" smtClean="0"/>
+              <a:t>¿</a:t>
+            </a:r>
+            <a:r>
+              <a:rPr lang="es-ES" dirty="0" smtClean="0"/>
+              <a:t>Cuáles son las 5 películas más alquiladas? </a:t>
+            </a:r>
+          </a:p>
+          <a:p>
+            <a:endParaRPr lang="es-ES" dirty="0"/>
+          </a:p>
+          <a:p>
+            <a:endParaRPr lang="es-ES" dirty="0" smtClean="0"/>
+          </a:p>
+          <a:p>
+            <a:endParaRPr lang="es-ES" dirty="0"/>
+          </a:p>
+          <a:p>
+            <a:endParaRPr lang="es-ES" dirty="0"/>
+          </a:p>
+        </p:txBody>
+      </p:sp>
+      <p:sp>
+        <p:nvSpPr>
+          <p:cNvPr id="5" name="Marcador de contenido 4"/>
+          <p:cNvSpPr>
+            <a:spLocks noGrp="1"/>
+          </p:cNvSpPr>
+          <p:nvPr>
+            <p:ph sz="half" idx="2"/>
+          </p:nvPr>
+        </p:nvSpPr>
+        <p:spPr/>
+        <p:txBody>
+          <a:bodyPr>
+            <a:normAutofit/>
+          </a:bodyPr>
+          <a:lstStyle/>
+          <a:p>
+            <a:r>
+              <a:rPr lang="es-ES" dirty="0" smtClean="0"/>
+              <a:t>Lista </a:t>
+            </a:r>
+            <a:r>
+              <a:rPr lang="es-ES" dirty="0"/>
+              <a:t>de categorías ordenadas por su ‘</a:t>
+            </a:r>
+            <a:r>
+              <a:rPr lang="es-ES" dirty="0" err="1"/>
               <a:t>rental_rate</a:t>
             </a:r>
             <a:r>
-              <a:rPr lang="es-ES" dirty="0" smtClean="0"/>
+              <a:rPr lang="es-ES" dirty="0"/>
               <a:t>’ medio:</a:t>
             </a:r>
           </a:p>
           <a:p>
+            <a:pPr marL="0" indent="0">
+              <a:buNone/>
+            </a:pPr>
             <a:endParaRPr lang="es-ES" dirty="0"/>
           </a:p>
-        </p:txBody>
-      </p:sp>
-      <p:sp>
-        <p:nvSpPr>
-          <p:cNvPr id="5" name="Marcador de contenido 4"/>
-          <p:cNvSpPr>
-            <a:spLocks noGrp="1"/>
-          </p:cNvSpPr>
-          <p:nvPr>
-            <p:ph sz="half" idx="2"/>
-          </p:nvPr>
-        </p:nvSpPr>
-        <p:spPr/>
-        <p:txBody>
-          <a:bodyPr/>
-          <a:lstStyle/>
-          <a:p>
-            <a:r>
-              <a:rPr lang="es-ES" dirty="0" smtClean="0"/>
-              <a:t>¿Cuáles son los 10 actores/actrices que más salen en las películas? </a:t>
-            </a:r>
+          <a:p>
             <a:endParaRPr lang="es-ES" dirty="0" smtClean="0"/>
           </a:p>
           <a:p>
             <a:endParaRPr lang="es-ES" dirty="0"/>
           </a:p>
           <a:p>
+            <a:r>
+              <a:rPr lang="es-ES" dirty="0" smtClean="0"/>
+              <a:t>¿Cuáles </a:t>
+            </a:r>
+            <a:r>
+              <a:rPr lang="es-ES" dirty="0" smtClean="0"/>
+              <a:t>son los 10 actores/actrices que más salen en las películas? </a:t>
+            </a:r>
             <a:endParaRPr lang="es-ES" dirty="0" smtClean="0"/>
           </a:p>
           <a:p>
+            <a:endParaRPr lang="es-ES" dirty="0"/>
+          </a:p>
+          <a:p>
             <a:endParaRPr lang="es-ES" dirty="0" smtClean="0"/>
           </a:p>
           <a:p>
-            <a:r>
-              <a:rPr lang="es-ES" dirty="0" smtClean="0"/>
-              <a:t>Creación </a:t>
-            </a:r>
-            <a:r>
-              <a:rPr lang="es-ES" dirty="0" smtClean="0"/>
-              <a:t>de </a:t>
-            </a:r>
-            <a:r>
-              <a:rPr lang="es-ES" dirty="0" smtClean="0"/>
-              <a:t>tabla </a:t>
-            </a:r>
-            <a:r>
-              <a:rPr lang="es-ES" dirty="0" smtClean="0"/>
-              <a:t>‘</a:t>
-            </a:r>
-            <a:r>
-              <a:rPr lang="es-ES" dirty="0" err="1" smtClean="0"/>
-              <a:t>total_renting</a:t>
-            </a:r>
-            <a:r>
-              <a:rPr lang="es-ES" dirty="0" smtClean="0"/>
-              <a:t> </a:t>
-            </a:r>
-            <a:r>
-              <a:rPr lang="es-ES" dirty="0" smtClean="0"/>
-              <a:t>para indicar </a:t>
-            </a:r>
-            <a:r>
-              <a:rPr lang="es-ES" dirty="0" smtClean="0"/>
-              <a:t>la facturación por película</a:t>
-            </a:r>
+            <a:endParaRPr lang="es-ES" dirty="0" smtClean="0"/>
+          </a:p>
+          <a:p>
             <a:endParaRPr lang="es-ES" dirty="0"/>
+          </a:p>
+          <a:p>
+            <a:endParaRPr lang="es-ES" dirty="0" smtClean="0"/>
+          </a:p>
+          <a:p>
+            <a:endParaRPr lang="es-ES" dirty="0" smtClean="0"/>
           </a:p>
         </p:txBody>
       </p:sp>
@@ -5225,7 +5234,7 @@
         </p:blipFill>
         <p:spPr>
           <a:xfrm>
-            <a:off x="1861128" y="2996982"/>
+            <a:off x="1775770" y="5019745"/>
             <a:ext cx="2766290" cy="1316626"/>
           </a:xfrm>
           <a:prstGeom prst="rect">
@@ -5309,8 +5318,8 @@
         </p:blipFill>
         <p:spPr>
           <a:xfrm>
-            <a:off x="1817871" y="5024591"/>
-            <a:ext cx="2765059" cy="1440865"/>
+            <a:off x="7009414" y="3027111"/>
+            <a:ext cx="2468823" cy="1286497"/>
           </a:xfrm>
           <a:prstGeom prst="rect">
             <a:avLst/>
@@ -5319,7 +5328,7 @@
       </p:pic>
       <p:pic>
         <p:nvPicPr>
-          <p:cNvPr id="12" name="Imagen 11"/>
+          <p:cNvPr id="13" name="Imagen 12"/>
           <p:cNvPicPr>
             <a:picLocks noChangeAspect="1"/>
           </p:cNvPicPr>
@@ -5333,8 +5342,8 @@
         </p:blipFill>
         <p:spPr>
           <a:xfrm>
-            <a:off x="6982837" y="5273374"/>
-            <a:ext cx="2207346" cy="1188052"/>
+            <a:off x="7019783" y="5209087"/>
+            <a:ext cx="1100153" cy="1316626"/>
           </a:xfrm>
           <a:prstGeom prst="rect">
             <a:avLst/>
@@ -5343,7 +5352,7 @@
       </p:pic>
       <p:pic>
         <p:nvPicPr>
-          <p:cNvPr id="13" name="Imagen 12"/>
+          <p:cNvPr id="3" name="Imagen 2"/>
           <p:cNvPicPr>
             <a:picLocks noChangeAspect="1"/>
           </p:cNvPicPr>
@@ -5357,8 +5366,8 @@
         </p:blipFill>
         <p:spPr>
           <a:xfrm>
-            <a:off x="6982837" y="2996982"/>
-            <a:ext cx="1100153" cy="1316626"/>
+            <a:off x="1775770" y="3027111"/>
+            <a:ext cx="2766290" cy="854022"/>
           </a:xfrm>
           <a:prstGeom prst="rect">
             <a:avLst/>
@@ -5412,7 +5421,7 @@
         </p:blipFill>
         <p:spPr>
           <a:xfrm>
-            <a:off x="3186546" y="1654463"/>
+            <a:off x="1696008" y="1604241"/>
             <a:ext cx="6255364" cy="4423064"/>
           </a:xfrm>
           <a:prstGeom prst="rect">
@@ -5437,16 +5446,271 @@
           <a:p>
             <a:r>
               <a:rPr lang="es-ES" b="1" dirty="0" smtClean="0"/>
-              <a:t>EER </a:t>
-            </a:r>
-            <a:r>
-              <a:rPr lang="es-ES" b="1" dirty="0" smtClean="0"/>
-              <a:t>DIAGRAM (final)</a:t>
+              <a:t>EER DIAGRAM (final)</a:t>
             </a:r>
             <a:endParaRPr lang="es-ES" b="1" dirty="0"/>
           </a:p>
         </p:txBody>
       </p:sp>
+      <p:sp>
+        <p:nvSpPr>
+          <p:cNvPr id="4" name="Marcador de contenido 4"/>
+          <p:cNvSpPr txBox="1">
+            <a:spLocks/>
+          </p:cNvSpPr>
+          <p:nvPr/>
+        </p:nvSpPr>
+        <p:spPr>
+          <a:xfrm>
+            <a:off x="8275779" y="1824181"/>
+            <a:ext cx="3224133" cy="3581401"/>
+          </a:xfrm>
+          <a:prstGeom prst="rect">
+            <a:avLst/>
+          </a:prstGeom>
+        </p:spPr>
+        <p:txBody>
+          <a:bodyPr/>
+          <a:lstStyle>
+            <a:lvl1pPr marL="384048" indent="-384048" algn="l" defTabSz="914400" rtl="0" eaLnBrk="1" latinLnBrk="0" hangingPunct="1">
+              <a:lnSpc>
+                <a:spcPct val="94000"/>
+              </a:lnSpc>
+              <a:spcBef>
+                <a:spcPts val="1000"/>
+              </a:spcBef>
+              <a:spcAft>
+                <a:spcPts val="200"/>
+              </a:spcAft>
+              <a:buFont typeface="Franklin Gothic Book" panose="020B0503020102020204" pitchFamily="34" charset="0"/>
+              <a:buChar char="■"/>
+              <a:defRPr sz="2000" kern="1200" baseline="0">
+                <a:solidFill>
+                  <a:schemeClr val="tx2"/>
+                </a:solidFill>
+                <a:latin typeface="+mn-lt"/>
+                <a:ea typeface="+mn-ea"/>
+                <a:cs typeface="+mn-cs"/>
+              </a:defRPr>
+            </a:lvl1pPr>
+            <a:lvl2pPr marL="914400" indent="-384048" algn="l" defTabSz="914400" rtl="0" eaLnBrk="1" latinLnBrk="0" hangingPunct="1">
+              <a:lnSpc>
+                <a:spcPct val="94000"/>
+              </a:lnSpc>
+              <a:spcBef>
+                <a:spcPts val="500"/>
+              </a:spcBef>
+              <a:spcAft>
+                <a:spcPts val="200"/>
+              </a:spcAft>
+              <a:buFont typeface="Franklin Gothic Book" panose="020B0503020102020204" pitchFamily="34" charset="0"/>
+              <a:buChar char="–"/>
+              <a:defRPr sz="2000" i="1" kern="1200" baseline="0">
+                <a:solidFill>
+                  <a:schemeClr val="tx2"/>
+                </a:solidFill>
+                <a:latin typeface="+mn-lt"/>
+                <a:ea typeface="+mn-ea"/>
+                <a:cs typeface="+mn-cs"/>
+              </a:defRPr>
+            </a:lvl2pPr>
+            <a:lvl3pPr marL="1371600" indent="-384048" algn="l" defTabSz="914400" rtl="0" eaLnBrk="1" latinLnBrk="0" hangingPunct="1">
+              <a:lnSpc>
+                <a:spcPct val="94000"/>
+              </a:lnSpc>
+              <a:spcBef>
+                <a:spcPts val="500"/>
+              </a:spcBef>
+              <a:spcAft>
+                <a:spcPts val="200"/>
+              </a:spcAft>
+              <a:buFont typeface="Franklin Gothic Book" panose="020B0503020102020204" pitchFamily="34" charset="0"/>
+              <a:buChar char="■"/>
+              <a:defRPr sz="1800" kern="1200" baseline="0">
+                <a:solidFill>
+                  <a:schemeClr val="tx2"/>
+                </a:solidFill>
+                <a:latin typeface="+mn-lt"/>
+                <a:ea typeface="+mn-ea"/>
+                <a:cs typeface="+mn-cs"/>
+              </a:defRPr>
+            </a:lvl3pPr>
+            <a:lvl4pPr marL="1828800" indent="-384048" algn="l" defTabSz="914400" rtl="0" eaLnBrk="1" latinLnBrk="0" hangingPunct="1">
+              <a:lnSpc>
+                <a:spcPct val="94000"/>
+              </a:lnSpc>
+              <a:spcBef>
+                <a:spcPts val="500"/>
+              </a:spcBef>
+              <a:spcAft>
+                <a:spcPts val="200"/>
+              </a:spcAft>
+              <a:buFont typeface="Franklin Gothic Book" panose="020B0503020102020204" pitchFamily="34" charset="0"/>
+              <a:buChar char="–"/>
+              <a:defRPr sz="1800" i="1" kern="1200" baseline="0">
+                <a:solidFill>
+                  <a:schemeClr val="tx2"/>
+                </a:solidFill>
+                <a:latin typeface="+mn-lt"/>
+                <a:ea typeface="+mn-ea"/>
+                <a:cs typeface="+mn-cs"/>
+              </a:defRPr>
+            </a:lvl4pPr>
+            <a:lvl5pPr marL="2286000" indent="-384048" algn="l" defTabSz="914400" rtl="0" eaLnBrk="1" latinLnBrk="0" hangingPunct="1">
+              <a:lnSpc>
+                <a:spcPct val="94000"/>
+              </a:lnSpc>
+              <a:spcBef>
+                <a:spcPts val="500"/>
+              </a:spcBef>
+              <a:spcAft>
+                <a:spcPts val="200"/>
+              </a:spcAft>
+              <a:buFont typeface="Franklin Gothic Book" panose="020B0503020102020204" pitchFamily="34" charset="0"/>
+              <a:buChar char="■"/>
+              <a:defRPr sz="1600" kern="1200" baseline="0">
+                <a:solidFill>
+                  <a:schemeClr val="tx2"/>
+                </a:solidFill>
+                <a:latin typeface="+mn-lt"/>
+                <a:ea typeface="+mn-ea"/>
+                <a:cs typeface="+mn-cs"/>
+              </a:defRPr>
+            </a:lvl5pPr>
+            <a:lvl6pPr marL="2743200" indent="-384048" algn="l" defTabSz="914400" rtl="0" eaLnBrk="1" latinLnBrk="0" hangingPunct="1">
+              <a:lnSpc>
+                <a:spcPct val="94000"/>
+              </a:lnSpc>
+              <a:spcBef>
+                <a:spcPts val="500"/>
+              </a:spcBef>
+              <a:spcAft>
+                <a:spcPts val="200"/>
+              </a:spcAft>
+              <a:buFont typeface="Franklin Gothic Book" panose="020B0503020102020204" pitchFamily="34" charset="0"/>
+              <a:buChar char="–"/>
+              <a:defRPr sz="1600" i="1" kern="1200" baseline="0">
+                <a:solidFill>
+                  <a:schemeClr val="tx2"/>
+                </a:solidFill>
+                <a:latin typeface="+mn-lt"/>
+                <a:ea typeface="+mn-ea"/>
+                <a:cs typeface="+mn-cs"/>
+              </a:defRPr>
+            </a:lvl6pPr>
+            <a:lvl7pPr marL="3200400" indent="-384048" algn="l" defTabSz="914400" rtl="0" eaLnBrk="1" latinLnBrk="0" hangingPunct="1">
+              <a:lnSpc>
+                <a:spcPct val="94000"/>
+              </a:lnSpc>
+              <a:spcBef>
+                <a:spcPts val="500"/>
+              </a:spcBef>
+              <a:spcAft>
+                <a:spcPts val="200"/>
+              </a:spcAft>
+              <a:buFont typeface="Franklin Gothic Book" panose="020B0503020102020204" pitchFamily="34" charset="0"/>
+              <a:buChar char="■"/>
+              <a:defRPr sz="1400" kern="1200" baseline="0">
+                <a:solidFill>
+                  <a:schemeClr val="tx2"/>
+                </a:solidFill>
+                <a:latin typeface="+mn-lt"/>
+                <a:ea typeface="+mn-ea"/>
+                <a:cs typeface="+mn-cs"/>
+              </a:defRPr>
+            </a:lvl7pPr>
+            <a:lvl8pPr marL="3657600" indent="-384048" algn="l" defTabSz="914400" rtl="0" eaLnBrk="1" latinLnBrk="0" hangingPunct="1">
+              <a:lnSpc>
+                <a:spcPct val="94000"/>
+              </a:lnSpc>
+              <a:spcBef>
+                <a:spcPts val="500"/>
+              </a:spcBef>
+              <a:spcAft>
+                <a:spcPts val="200"/>
+              </a:spcAft>
+              <a:buFont typeface="Franklin Gothic Book" panose="020B0503020102020204" pitchFamily="34" charset="0"/>
+              <a:buChar char="–"/>
+              <a:defRPr sz="1400" i="1" kern="1200" baseline="0">
+                <a:solidFill>
+                  <a:schemeClr val="tx2"/>
+                </a:solidFill>
+                <a:latin typeface="+mn-lt"/>
+                <a:ea typeface="+mn-ea"/>
+                <a:cs typeface="+mn-cs"/>
+              </a:defRPr>
+            </a:lvl8pPr>
+            <a:lvl9pPr marL="4114800" indent="-384048" algn="l" defTabSz="914400" rtl="0" eaLnBrk="1" latinLnBrk="0" hangingPunct="1">
+              <a:lnSpc>
+                <a:spcPct val="94000"/>
+              </a:lnSpc>
+              <a:spcBef>
+                <a:spcPts val="500"/>
+              </a:spcBef>
+              <a:spcAft>
+                <a:spcPts val="200"/>
+              </a:spcAft>
+              <a:buFont typeface="Franklin Gothic Book" panose="020B0503020102020204" pitchFamily="34" charset="0"/>
+              <a:buChar char="■"/>
+              <a:defRPr sz="1400" kern="1200" baseline="0">
+                <a:solidFill>
+                  <a:schemeClr val="tx2"/>
+                </a:solidFill>
+                <a:latin typeface="+mn-lt"/>
+                <a:ea typeface="+mn-ea"/>
+                <a:cs typeface="+mn-cs"/>
+              </a:defRPr>
+            </a:lvl9pPr>
+          </a:lstStyle>
+          <a:p>
+            <a:r>
+              <a:rPr lang="es-ES" dirty="0" smtClean="0"/>
+              <a:t>Creación de tabla ‘</a:t>
+            </a:r>
+            <a:r>
+              <a:rPr lang="es-ES" dirty="0" err="1" smtClean="0"/>
+              <a:t>total_renting</a:t>
+            </a:r>
+            <a:r>
+              <a:rPr lang="es-ES" dirty="0" smtClean="0"/>
+              <a:t> para indicar la facturación por película</a:t>
+            </a:r>
+          </a:p>
+          <a:p>
+            <a:endParaRPr lang="es-ES" dirty="0" smtClean="0"/>
+          </a:p>
+          <a:p>
+            <a:endParaRPr lang="es-ES" dirty="0" smtClean="0"/>
+          </a:p>
+          <a:p>
+            <a:endParaRPr lang="es-ES" dirty="0" smtClean="0"/>
+          </a:p>
+        </p:txBody>
+      </p:sp>
+      <p:pic>
+        <p:nvPicPr>
+          <p:cNvPr id="5" name="Imagen 4"/>
+          <p:cNvPicPr>
+            <a:picLocks noChangeAspect="1"/>
+          </p:cNvPicPr>
+          <p:nvPr/>
+        </p:nvPicPr>
+        <p:blipFill>
+          <a:blip r:embed="rId3"/>
+          <a:stretch>
+            <a:fillRect/>
+          </a:stretch>
+        </p:blipFill>
+        <p:spPr>
+          <a:xfrm>
+            <a:off x="8478485" y="3463047"/>
+            <a:ext cx="3261635" cy="1755498"/>
+          </a:xfrm>
+          <a:prstGeom prst="rect">
+            <a:avLst/>
+          </a:prstGeom>
+        </p:spPr>
+      </p:pic>
     </p:spTree>
     <p:extLst>
       <p:ext uri="{BB962C8B-B14F-4D97-AF65-F5344CB8AC3E}">
